--- a/lessons/block_1_basics/git.pptx
+++ b/lessons/block_1_basics/git.pptx
@@ -211,7 +211,7 @@
           <a:p>
             <a:fld id="{45BB6A22-A7C2-4885-8ACD-87C02F470EBD}" type="datetimeFigureOut">
               <a:rPr lang="en-US" smtClean="0"/>
-              <a:t>6/26/2017</a:t>
+              <a:t>8/14/2017</a:t>
             </a:fld>
             <a:endParaRPr lang="en-US"/>
           </a:p>
@@ -1368,7 +1368,7 @@
           <a:p>
             <a:fld id="{2E770A20-EC02-4812-91EC-C1F9A5CEF2B1}" type="datetimeFigureOut">
               <a:rPr lang="en-US" smtClean="0"/>
-              <a:t>6/26/2017</a:t>
+              <a:t>8/14/2017</a:t>
             </a:fld>
             <a:endParaRPr lang="en-US"/>
           </a:p>
@@ -1538,7 +1538,7 @@
           <a:p>
             <a:fld id="{2E770A20-EC02-4812-91EC-C1F9A5CEF2B1}" type="datetimeFigureOut">
               <a:rPr lang="en-US" smtClean="0"/>
-              <a:t>6/26/2017</a:t>
+              <a:t>8/14/2017</a:t>
             </a:fld>
             <a:endParaRPr lang="en-US"/>
           </a:p>
@@ -1718,7 +1718,7 @@
           <a:p>
             <a:fld id="{2E770A20-EC02-4812-91EC-C1F9A5CEF2B1}" type="datetimeFigureOut">
               <a:rPr lang="en-US" smtClean="0"/>
-              <a:t>6/26/2017</a:t>
+              <a:t>8/14/2017</a:t>
             </a:fld>
             <a:endParaRPr lang="en-US"/>
           </a:p>
@@ -1888,7 +1888,7 @@
           <a:p>
             <a:fld id="{2E770A20-EC02-4812-91EC-C1F9A5CEF2B1}" type="datetimeFigureOut">
               <a:rPr lang="en-US" smtClean="0"/>
-              <a:t>6/26/2017</a:t>
+              <a:t>8/14/2017</a:t>
             </a:fld>
             <a:endParaRPr lang="en-US"/>
           </a:p>
@@ -2134,7 +2134,7 @@
           <a:p>
             <a:fld id="{2E770A20-EC02-4812-91EC-C1F9A5CEF2B1}" type="datetimeFigureOut">
               <a:rPr lang="en-US" smtClean="0"/>
-              <a:t>6/26/2017</a:t>
+              <a:t>8/14/2017</a:t>
             </a:fld>
             <a:endParaRPr lang="en-US"/>
           </a:p>
@@ -2366,7 +2366,7 @@
           <a:p>
             <a:fld id="{2E770A20-EC02-4812-91EC-C1F9A5CEF2B1}" type="datetimeFigureOut">
               <a:rPr lang="en-US" smtClean="0"/>
-              <a:t>6/26/2017</a:t>
+              <a:t>8/14/2017</a:t>
             </a:fld>
             <a:endParaRPr lang="en-US"/>
           </a:p>
@@ -2733,7 +2733,7 @@
           <a:p>
             <a:fld id="{2E770A20-EC02-4812-91EC-C1F9A5CEF2B1}" type="datetimeFigureOut">
               <a:rPr lang="en-US" smtClean="0"/>
-              <a:t>6/26/2017</a:t>
+              <a:t>8/14/2017</a:t>
             </a:fld>
             <a:endParaRPr lang="en-US"/>
           </a:p>
@@ -2851,7 +2851,7 @@
           <a:p>
             <a:fld id="{2E770A20-EC02-4812-91EC-C1F9A5CEF2B1}" type="datetimeFigureOut">
               <a:rPr lang="en-US" smtClean="0"/>
-              <a:t>6/26/2017</a:t>
+              <a:t>8/14/2017</a:t>
             </a:fld>
             <a:endParaRPr lang="en-US"/>
           </a:p>
@@ -2946,7 +2946,7 @@
           <a:p>
             <a:fld id="{2E770A20-EC02-4812-91EC-C1F9A5CEF2B1}" type="datetimeFigureOut">
               <a:rPr lang="en-US" smtClean="0"/>
-              <a:t>6/26/2017</a:t>
+              <a:t>8/14/2017</a:t>
             </a:fld>
             <a:endParaRPr lang="en-US"/>
           </a:p>
@@ -3223,7 +3223,7 @@
           <a:p>
             <a:fld id="{2E770A20-EC02-4812-91EC-C1F9A5CEF2B1}" type="datetimeFigureOut">
               <a:rPr lang="en-US" smtClean="0"/>
-              <a:t>6/26/2017</a:t>
+              <a:t>8/14/2017</a:t>
             </a:fld>
             <a:endParaRPr lang="en-US"/>
           </a:p>
@@ -3476,7 +3476,7 @@
           <a:p>
             <a:fld id="{2E770A20-EC02-4812-91EC-C1F9A5CEF2B1}" type="datetimeFigureOut">
               <a:rPr lang="en-US" smtClean="0"/>
-              <a:t>6/26/2017</a:t>
+              <a:t>8/14/2017</a:t>
             </a:fld>
             <a:endParaRPr lang="en-US"/>
           </a:p>
@@ -3689,7 +3689,7 @@
           <a:p>
             <a:fld id="{2E770A20-EC02-4812-91EC-C1F9A5CEF2B1}" type="datetimeFigureOut">
               <a:rPr lang="en-US" smtClean="0"/>
-              <a:t>6/26/2017</a:t>
+              <a:t>8/14/2017</a:t>
             </a:fld>
             <a:endParaRPr lang="en-US"/>
           </a:p>
@@ -5457,7 +5457,7 @@
         </p:nvCxnSpPr>
         <p:spPr bwMode="auto">
           <a:xfrm flipH="1">
-            <a:off x="1981200" y="3048000"/>
+            <a:off x="1970183" y="2761558"/>
             <a:ext cx="7467600" cy="0"/>
           </a:xfrm>
           <a:prstGeom prst="line">
@@ -9438,11 +9438,7 @@
           <a:p>
             <a:r>
               <a:rPr lang="en-US" altLang="en-US" dirty="0" smtClean="0"/>
-              <a:t>CVS/SVN </a:t>
-            </a:r>
-            <a:r>
-              <a:rPr lang="en-US" altLang="en-US" dirty="0" smtClean="0"/>
-              <a:t>vs. </a:t>
+              <a:t>CVS/SVN vs. </a:t>
             </a:r>
             <a:r>
               <a:rPr lang="en-US" altLang="en-US" dirty="0" err="1" smtClean="0"/>
@@ -9480,16 +9476,7 @@
                 </a:solidFill>
                 <a:ea typeface="ＭＳ Ｐゴシック" charset="-128"/>
               </a:rPr>
-              <a:t>CVS/SVN</a:t>
-            </a:r>
-            <a:r>
-              <a:rPr lang="en-US" dirty="0" smtClean="0">
-                <a:solidFill>
-                  <a:srgbClr val="404040"/>
-                </a:solidFill>
-                <a:ea typeface="ＭＳ Ｐゴシック" charset="-128"/>
-              </a:rPr>
-              <a:t>:</a:t>
+              <a:t>CVS/SVN:</a:t>
             </a:r>
           </a:p>
           <a:p>
@@ -14260,7 +14247,7 @@
   <a:extraClrSchemeLst/>
   <a:extLst>
     <a:ext uri="{05A4C25C-085E-4340-85A3-A5531E510DB2}">
-      <thm15:themeFamily xmlns:thm15="http://schemas.microsoft.com/office/thememl/2012/main" name="Office Theme" id="{62F939B6-93AF-4DB8-9C6B-D6C7DFDC589F}" vid="{4A3C46E8-61CC-4603-A589-7422A47A8E4A}"/>
+      <thm15:themeFamily xmlns:thm15="http://schemas.microsoft.com/office/thememl/2012/main" xmlns="" name="Office Theme" id="{62F939B6-93AF-4DB8-9C6B-D6C7DFDC589F}" vid="{4A3C46E8-61CC-4603-A589-7422A47A8E4A}"/>
     </a:ext>
   </a:extLst>
 </a:theme>
@@ -14521,7 +14508,7 @@
   <a:extraClrSchemeLst/>
   <a:extLst>
     <a:ext uri="{05A4C25C-085E-4340-85A3-A5531E510DB2}">
-      <thm15:themeFamily xmlns:thm15="http://schemas.microsoft.com/office/thememl/2012/main" name="Office Theme" id="{62F939B6-93AF-4DB8-9C6B-D6C7DFDC589F}" vid="{4A3C46E8-61CC-4603-A589-7422A47A8E4A}"/>
+      <thm15:themeFamily xmlns:thm15="http://schemas.microsoft.com/office/thememl/2012/main" xmlns="" name="Office Theme" id="{62F939B6-93AF-4DB8-9C6B-D6C7DFDC589F}" vid="{4A3C46E8-61CC-4603-A589-7422A47A8E4A}"/>
     </a:ext>
   </a:extLst>
 </a:theme>
